--- a/BI/Dashbored_seprated.pptx
+++ b/BI/Dashbored_seprated.pptx
@@ -3333,7 +3333,7 @@
           <p:cNvPr id="0" name="slide1">
             <a:extLst>
               <a:ext uri="{FF2B5EF4-FFF2-40B4-BE49-F238E27FC236}">
-                <a16:creationId xmlns:a16="http://schemas.microsoft.com/office/drawing/2014/main" id="{8E3D204F-EBF8-4107-B3DC-60F1C05596C0}"/>
+                <a16:creationId xmlns:a16="http://schemas.microsoft.com/office/drawing/2014/main" id="{4A763C58-A7CF-4D84-BD32-9E8EAAFE3F54}"/>
               </a:ext>
             </a:extLst>
           </p:cNvPr>
@@ -3361,7 +3361,7 @@
           <p:cNvPr id="1" name="slide1">
             <a:extLst>
               <a:ext uri="{FF2B5EF4-FFF2-40B4-BE49-F238E27FC236}">
-                <a16:creationId xmlns:a16="http://schemas.microsoft.com/office/drawing/2014/main" id="{3680B410-471B-48B6-BE04-634B3A9A2A59}"/>
+                <a16:creationId xmlns:a16="http://schemas.microsoft.com/office/drawing/2014/main" id="{CEF9C8F2-348B-4D32-B4C4-234CAD59A5DC}"/>
               </a:ext>
             </a:extLst>
           </p:cNvPr>
@@ -3379,7 +3379,7 @@
           <a:p>
             <a:r>
               <a:rPr/>
-              <a:t>File created on: 02/01/2025 14:47:55 GMT+2</a:t>
+              <a:t>File created on: 02/01/2025 15:09:15 GMT+2</a:t>
             </a:r>
           </a:p>
         </p:txBody>
@@ -3419,7 +3419,7 @@
           <p:cNvPr descr="pie_chart_location" id="2" name="slide2">
             <a:extLst>
               <a:ext uri="{FF2B5EF4-FFF2-40B4-BE49-F238E27FC236}">
-                <a16:creationId xmlns:a16="http://schemas.microsoft.com/office/drawing/2014/main" id="{CB35D082-3767-41D1-9028-2147E7F3080C}"/>
+                <a16:creationId xmlns:a16="http://schemas.microsoft.com/office/drawing/2014/main" id="{C8F1028C-26E9-416E-A0B6-A1302E2FD306}"/>
               </a:ext>
             </a:extLst>
           </p:cNvPr>
@@ -3442,8 +3442,8 @@
         </p:blipFill>
         <p:spPr>
           <a:xfrm>
-            <a:off x="18790" y="0"/>
-            <a:ext cx="12154419" cy="6858000"/>
+            <a:off x="270658" y="0"/>
+            <a:ext cx="11650684" cy="6858000"/>
           </a:xfrm>
           <a:prstGeom prst="rect">
             <a:avLst/>
@@ -3485,7 +3485,7 @@
           <p:cNvPr descr="home_win_rate_vs_possession" id="3" name="slide3">
             <a:extLst>
               <a:ext uri="{FF2B5EF4-FFF2-40B4-BE49-F238E27FC236}">
-                <a16:creationId xmlns:a16="http://schemas.microsoft.com/office/drawing/2014/main" id="{D0FD74CF-9E3D-42FC-A8FF-5D0EFEA12088}"/>
+                <a16:creationId xmlns:a16="http://schemas.microsoft.com/office/drawing/2014/main" id="{0A097370-852B-421E-A476-1EFF3BFB0BCE}"/>
               </a:ext>
             </a:extLst>
           </p:cNvPr>
@@ -3508,8 +3508,8 @@
         </p:blipFill>
         <p:spPr>
           <a:xfrm>
-            <a:off x="4391828" y="0"/>
-            <a:ext cx="3408343" cy="6858000"/>
+            <a:off x="637515" y="0"/>
+            <a:ext cx="10916970" cy="6858000"/>
           </a:xfrm>
           <a:prstGeom prst="rect">
             <a:avLst/>
@@ -3551,7 +3551,7 @@
           <p:cNvPr descr="shots_vs_win_percentage" id="4" name="slide4">
             <a:extLst>
               <a:ext uri="{FF2B5EF4-FFF2-40B4-BE49-F238E27FC236}">
-                <a16:creationId xmlns:a16="http://schemas.microsoft.com/office/drawing/2014/main" id="{5D3FC7DF-0E1F-442E-905E-06EA44FE19D4}"/>
+                <a16:creationId xmlns:a16="http://schemas.microsoft.com/office/drawing/2014/main" id="{C3A29A4F-F549-407B-8C4C-3C188A4AFAA5}"/>
               </a:ext>
             </a:extLst>
           </p:cNvPr>
@@ -3574,8 +3574,8 @@
         </p:blipFill>
         <p:spPr>
           <a:xfrm>
-            <a:off x="2002959" y="0"/>
-            <a:ext cx="8186081" cy="6858000"/>
+            <a:off x="1980445" y="0"/>
+            <a:ext cx="8231109" cy="6858000"/>
           </a:xfrm>
           <a:prstGeom prst="rect">
             <a:avLst/>
@@ -3617,7 +3617,7 @@
           <p:cNvPr descr="shooting_accuracy_distribution" id="5" name="slide5">
             <a:extLst>
               <a:ext uri="{FF2B5EF4-FFF2-40B4-BE49-F238E27FC236}">
-                <a16:creationId xmlns:a16="http://schemas.microsoft.com/office/drawing/2014/main" id="{624B6FBB-6415-4B2A-8283-5A6BC65449D0}"/>
+                <a16:creationId xmlns:a16="http://schemas.microsoft.com/office/drawing/2014/main" id="{9ADF8819-3FD7-49D0-9221-608377B1BE91}"/>
               </a:ext>
             </a:extLst>
           </p:cNvPr>
@@ -3640,8 +3640,8 @@
         </p:blipFill>
         <p:spPr>
           <a:xfrm>
-            <a:off x="4866799" y="0"/>
-            <a:ext cx="2458401" cy="6858000"/>
+            <a:off x="863627" y="0"/>
+            <a:ext cx="10464745" cy="6858000"/>
           </a:xfrm>
           <a:prstGeom prst="rect">
             <a:avLst/>
@@ -3680,10 +3680,10 @@
       </p:grpSpPr>
       <p:pic>
         <p:nvPicPr>
-          <p:cNvPr descr="possesion_to_match" id="6" name="slide6">
-            <a:extLst>
-              <a:ext uri="{FF2B5EF4-FFF2-40B4-BE49-F238E27FC236}">
-                <a16:creationId xmlns:a16="http://schemas.microsoft.com/office/drawing/2014/main" id="{CB9330BE-EB45-4D9B-8CA9-DAD7D73A81A9}"/>
+          <p:cNvPr descr="round_relation_half_and_full" id="6" name="slide6">
+            <a:extLst>
+              <a:ext uri="{FF2B5EF4-FFF2-40B4-BE49-F238E27FC236}">
+                <a16:creationId xmlns:a16="http://schemas.microsoft.com/office/drawing/2014/main" id="{E1C5D465-C8B5-4D86-A10C-99DB90978F3F}"/>
               </a:ext>
             </a:extLst>
           </p:cNvPr>
@@ -3706,8 +3706,8 @@
         </p:blipFill>
         <p:spPr>
           <a:xfrm>
-            <a:off x="0" y="23183"/>
-            <a:ext cx="12192000" cy="6811633"/>
+            <a:off x="241519" y="0"/>
+            <a:ext cx="11708962" cy="6858000"/>
           </a:xfrm>
           <a:prstGeom prst="rect">
             <a:avLst/>
@@ -3746,10 +3746,10 @@
       </p:grpSpPr>
       <p:pic>
         <p:nvPicPr>
-          <p:cNvPr descr="map_best_teams" id="7" name="slide7">
-            <a:extLst>
-              <a:ext uri="{FF2B5EF4-FFF2-40B4-BE49-F238E27FC236}">
-                <a16:creationId xmlns:a16="http://schemas.microsoft.com/office/drawing/2014/main" id="{1376ED8C-C0BF-402F-BD61-BF857A925200}"/>
+          <p:cNvPr descr="possesion_to_match" id="7" name="slide7">
+            <a:extLst>
+              <a:ext uri="{FF2B5EF4-FFF2-40B4-BE49-F238E27FC236}">
+                <a16:creationId xmlns:a16="http://schemas.microsoft.com/office/drawing/2014/main" id="{3D392F8D-39F2-4F79-AF3B-A42E768768B5}"/>
               </a:ext>
             </a:extLst>
           </p:cNvPr>
@@ -3772,8 +3772,8 @@
         </p:blipFill>
         <p:spPr>
           <a:xfrm>
-            <a:off x="0" y="54102"/>
-            <a:ext cx="12192000" cy="6749795"/>
+            <a:off x="286475" y="0"/>
+            <a:ext cx="11619049" cy="6858000"/>
           </a:xfrm>
           <a:prstGeom prst="rect">
             <a:avLst/>
@@ -3812,10 +3812,10 @@
       </p:grpSpPr>
       <p:pic>
         <p:nvPicPr>
-          <p:cNvPr descr="round_relation_half_and_full" id="8" name="slide8">
-            <a:extLst>
-              <a:ext uri="{FF2B5EF4-FFF2-40B4-BE49-F238E27FC236}">
-                <a16:creationId xmlns:a16="http://schemas.microsoft.com/office/drawing/2014/main" id="{304D02F5-7A4C-40D5-B0FD-45872E81835E}"/>
+          <p:cNvPr descr="map_best_teams" id="8" name="slide8">
+            <a:extLst>
+              <a:ext uri="{FF2B5EF4-FFF2-40B4-BE49-F238E27FC236}">
+                <a16:creationId xmlns:a16="http://schemas.microsoft.com/office/drawing/2014/main" id="{86B13335-9F98-432D-A7A2-8AA02DA27B27}"/>
               </a:ext>
             </a:extLst>
           </p:cNvPr>
@@ -3838,8 +3838,8 @@
         </p:blipFill>
         <p:spPr>
           <a:xfrm>
-            <a:off x="0" y="72692"/>
-            <a:ext cx="12192000" cy="6712615"/>
+            <a:off x="238125" y="0"/>
+            <a:ext cx="11715750" cy="6858000"/>
           </a:xfrm>
           <a:prstGeom prst="rect">
             <a:avLst/>
